--- a/brentweb.pptx
+++ b/brentweb.pptx
@@ -5,7 +5,7 @@
     <p:sldMasterId id="2147483657" r:id="rId1"/>
   </p:sldMasterIdLst>
   <p:notesMasterIdLst>
-    <p:notesMasterId r:id="rId18"/>
+    <p:notesMasterId r:id="rId20"/>
   </p:notesMasterIdLst>
   <p:sldIdLst>
     <p:sldId id="256" r:id="rId2"/>
@@ -13,31 +13,40 @@
     <p:sldId id="261" r:id="rId4"/>
     <p:sldId id="262" r:id="rId5"/>
     <p:sldId id="263" r:id="rId6"/>
-    <p:sldId id="264" r:id="rId7"/>
-    <p:sldId id="282" r:id="rId8"/>
-    <p:sldId id="283" r:id="rId9"/>
-    <p:sldId id="284" r:id="rId10"/>
-    <p:sldId id="285" r:id="rId11"/>
-    <p:sldId id="265" r:id="rId12"/>
-    <p:sldId id="286" r:id="rId13"/>
-    <p:sldId id="288" r:id="rId14"/>
-    <p:sldId id="287" r:id="rId15"/>
-    <p:sldId id="291" r:id="rId16"/>
-    <p:sldId id="292" r:id="rId17"/>
+    <p:sldId id="294" r:id="rId7"/>
+    <p:sldId id="264" r:id="rId8"/>
+    <p:sldId id="282" r:id="rId9"/>
+    <p:sldId id="283" r:id="rId10"/>
+    <p:sldId id="293" r:id="rId11"/>
+    <p:sldId id="284" r:id="rId12"/>
+    <p:sldId id="285" r:id="rId13"/>
+    <p:sldId id="265" r:id="rId14"/>
+    <p:sldId id="286" r:id="rId15"/>
+    <p:sldId id="288" r:id="rId16"/>
+    <p:sldId id="287" r:id="rId17"/>
+    <p:sldId id="291" r:id="rId18"/>
+    <p:sldId id="292" r:id="rId19"/>
   </p:sldIdLst>
   <p:sldSz cx="9144000" cy="5143500" type="screen16x9"/>
   <p:notesSz cx="6858000" cy="9144000"/>
   <p:embeddedFontLst>
     <p:embeddedFont>
+      <p:font typeface="Muli" panose="02000503000000000000" pitchFamily="2" charset="0"/>
+      <p:regular r:id="rId21"/>
+      <p:bold r:id="rId22"/>
+      <p:italic r:id="rId23"/>
+      <p:boldItalic r:id="rId24"/>
+    </p:embeddedFont>
+    <p:embeddedFont>
       <p:font typeface="Helvetica Neue" panose="020B0604020202020204" charset="0"/>
-      <p:regular r:id="rId19"/>
-      <p:bold r:id="rId20"/>
-      <p:italic r:id="rId21"/>
-      <p:boldItalic r:id="rId22"/>
+      <p:regular r:id="rId25"/>
+      <p:bold r:id="rId26"/>
+      <p:italic r:id="rId27"/>
+      <p:boldItalic r:id="rId28"/>
     </p:embeddedFont>
     <p:embeddedFont>
       <p:font typeface="Nixie One" panose="020B0604020202020204" charset="0"/>
-      <p:regular r:id="rId23"/>
+      <p:regular r:id="rId29"/>
     </p:embeddedFont>
   </p:embeddedFontLst>
   <p:defaultTextStyle>
@@ -269,6 +278,11 @@
       </a:defRPr>
     </a:lvl9pPr>
   </p:defaultTextStyle>
+  <p:extLst>
+    <p:ext uri="{EFAFB233-063F-42B5-8137-9DF3F51BA10A}">
+      <p15:sldGuideLst xmlns:p15="http://schemas.microsoft.com/office/powerpoint/2012/main"/>
+    </p:ext>
+  </p:extLst>
 </p:presentation>
 </file>
 
@@ -916,7 +930,7 @@
     </p:spTree>
     <p:extLst>
       <p:ext uri="{BB962C8B-B14F-4D97-AF65-F5344CB8AC3E}">
-        <p14:creationId xmlns:p14="http://schemas.microsoft.com/office/powerpoint/2010/main" val="4033971293"/>
+        <p14:creationId xmlns:p14="http://schemas.microsoft.com/office/powerpoint/2010/main" val="3118325504"/>
       </p:ext>
     </p:extLst>
   </p:cSld>
@@ -931,7 +945,7 @@
   <p:cSld>
     <p:spTree>
       <p:nvGrpSpPr>
-        <p:cNvPr id="1" name="Shape 411"/>
+        <p:cNvPr id="1" name="Shape 402"/>
         <p:cNvGrpSpPr/>
         <p:nvPr/>
       </p:nvGrpSpPr>
@@ -945,7 +959,7 @@
       </p:grpSpPr>
       <p:sp>
         <p:nvSpPr>
-          <p:cNvPr id="412" name="Google Shape;412;g35f391192_057:notes"/>
+          <p:cNvPr id="403" name="Google Shape;403;g35f391192_045:notes"/>
           <p:cNvSpPr>
             <a:spLocks noGrp="1" noRot="1" noChangeAspect="1"/>
           </p:cNvSpPr>
@@ -986,7 +1000,7 @@
       </p:sp>
       <p:sp>
         <p:nvSpPr>
-          <p:cNvPr id="413" name="Google Shape;413;g35f391192_057:notes"/>
+          <p:cNvPr id="404" name="Google Shape;404;g35f391192_045:notes"/>
           <p:cNvSpPr txBox="1">
             <a:spLocks noGrp="1"/>
           </p:cNvSpPr>
@@ -1023,6 +1037,11 @@
         </p:txBody>
       </p:sp>
     </p:spTree>
+    <p:extLst>
+      <p:ext uri="{BB962C8B-B14F-4D97-AF65-F5344CB8AC3E}">
+        <p14:creationId xmlns:p14="http://schemas.microsoft.com/office/powerpoint/2010/main" val="537004928"/>
+      </p:ext>
+    </p:extLst>
   </p:cSld>
   <p:clrMapOvr>
     <a:masterClrMapping/>
@@ -1035,7 +1054,7 @@
   <p:cSld>
     <p:spTree>
       <p:nvGrpSpPr>
-        <p:cNvPr id="1" name="Shape 411"/>
+        <p:cNvPr id="1" name="Shape 402"/>
         <p:cNvGrpSpPr/>
         <p:nvPr/>
       </p:nvGrpSpPr>
@@ -1049,7 +1068,7 @@
       </p:grpSpPr>
       <p:sp>
         <p:nvSpPr>
-          <p:cNvPr id="412" name="Google Shape;412;g35f391192_057:notes"/>
+          <p:cNvPr id="403" name="Google Shape;403;g35f391192_045:notes"/>
           <p:cNvSpPr>
             <a:spLocks noGrp="1" noRot="1" noChangeAspect="1"/>
           </p:cNvSpPr>
@@ -1090,7 +1109,7 @@
       </p:sp>
       <p:sp>
         <p:nvSpPr>
-          <p:cNvPr id="413" name="Google Shape;413;g35f391192_057:notes"/>
+          <p:cNvPr id="404" name="Google Shape;404;g35f391192_045:notes"/>
           <p:cNvSpPr txBox="1">
             <a:spLocks noGrp="1"/>
           </p:cNvSpPr>
@@ -1129,7 +1148,7 @@
     </p:spTree>
     <p:extLst>
       <p:ext uri="{BB962C8B-B14F-4D97-AF65-F5344CB8AC3E}">
-        <p14:creationId xmlns:p14="http://schemas.microsoft.com/office/powerpoint/2010/main" val="1989033987"/>
+        <p14:creationId xmlns:p14="http://schemas.microsoft.com/office/powerpoint/2010/main" val="4033971293"/>
       </p:ext>
     </p:extLst>
   </p:cSld>
@@ -1236,11 +1255,6 @@
         </p:txBody>
       </p:sp>
     </p:spTree>
-    <p:extLst>
-      <p:ext uri="{BB962C8B-B14F-4D97-AF65-F5344CB8AC3E}">
-        <p14:creationId xmlns:p14="http://schemas.microsoft.com/office/powerpoint/2010/main" val="1001585738"/>
-      </p:ext>
-    </p:extLst>
   </p:cSld>
   <p:clrMapOvr>
     <a:masterClrMapping/>
@@ -1347,7 +1361,7 @@
     </p:spTree>
     <p:extLst>
       <p:ext uri="{BB962C8B-B14F-4D97-AF65-F5344CB8AC3E}">
-        <p14:creationId xmlns:p14="http://schemas.microsoft.com/office/powerpoint/2010/main" val="125402903"/>
+        <p14:creationId xmlns:p14="http://schemas.microsoft.com/office/powerpoint/2010/main" val="1989033987"/>
       </p:ext>
     </p:extLst>
   </p:cSld>
@@ -1456,6 +1470,224 @@
     </p:spTree>
     <p:extLst>
       <p:ext uri="{BB962C8B-B14F-4D97-AF65-F5344CB8AC3E}">
+        <p14:creationId xmlns:p14="http://schemas.microsoft.com/office/powerpoint/2010/main" val="1001585738"/>
+      </p:ext>
+    </p:extLst>
+  </p:cSld>
+  <p:clrMapOvr>
+    <a:masterClrMapping/>
+  </p:clrMapOvr>
+</p:notes>
+</file>
+
+<file path=ppt/notesSlides/notesSlide16.xml><?xml version="1.0" encoding="utf-8"?>
+<p:notes xmlns:a="http://schemas.openxmlformats.org/drawingml/2006/main" xmlns:r="http://schemas.openxmlformats.org/officeDocument/2006/relationships" xmlns:p="http://schemas.openxmlformats.org/presentationml/2006/main" showMasterSp="0" showMasterPhAnim="0">
+  <p:cSld>
+    <p:spTree>
+      <p:nvGrpSpPr>
+        <p:cNvPr id="1" name="Shape 411"/>
+        <p:cNvGrpSpPr/>
+        <p:nvPr/>
+      </p:nvGrpSpPr>
+      <p:grpSpPr>
+        <a:xfrm>
+          <a:off x="0" y="0"/>
+          <a:ext cx="0" cy="0"/>
+          <a:chOff x="0" y="0"/>
+          <a:chExt cx="0" cy="0"/>
+        </a:xfrm>
+      </p:grpSpPr>
+      <p:sp>
+        <p:nvSpPr>
+          <p:cNvPr id="412" name="Google Shape;412;g35f391192_057:notes"/>
+          <p:cNvSpPr>
+            <a:spLocks noGrp="1" noRot="1" noChangeAspect="1"/>
+          </p:cNvSpPr>
+          <p:nvPr>
+            <p:ph type="sldImg" idx="2"/>
+          </p:nvPr>
+        </p:nvSpPr>
+        <p:spPr>
+          <a:xfrm>
+            <a:off x="381000" y="685800"/>
+            <a:ext cx="6096000" cy="3429000"/>
+          </a:xfrm>
+          <a:custGeom>
+            <a:avLst/>
+            <a:gdLst/>
+            <a:ahLst/>
+            <a:cxnLst/>
+            <a:rect l="l" t="t" r="r" b="b"/>
+            <a:pathLst>
+              <a:path w="120000" h="120000" extrusionOk="0">
+                <a:moveTo>
+                  <a:pt x="0" y="0"/>
+                </a:moveTo>
+                <a:lnTo>
+                  <a:pt x="120000" y="0"/>
+                </a:lnTo>
+                <a:lnTo>
+                  <a:pt x="120000" y="120000"/>
+                </a:lnTo>
+                <a:lnTo>
+                  <a:pt x="0" y="120000"/>
+                </a:lnTo>
+                <a:close/>
+              </a:path>
+            </a:pathLst>
+          </a:custGeom>
+        </p:spPr>
+      </p:sp>
+      <p:sp>
+        <p:nvSpPr>
+          <p:cNvPr id="413" name="Google Shape;413;g35f391192_057:notes"/>
+          <p:cNvSpPr txBox="1">
+            <a:spLocks noGrp="1"/>
+          </p:cNvSpPr>
+          <p:nvPr>
+            <p:ph type="body" idx="1"/>
+          </p:nvPr>
+        </p:nvSpPr>
+        <p:spPr>
+          <a:xfrm>
+            <a:off x="685800" y="4343400"/>
+            <a:ext cx="5486400" cy="4114800"/>
+          </a:xfrm>
+          <a:prstGeom prst="rect">
+            <a:avLst/>
+          </a:prstGeom>
+        </p:spPr>
+        <p:txBody>
+          <a:bodyPr spcFirstLastPara="1" wrap="square" lIns="91425" tIns="91425" rIns="91425" bIns="91425" anchor="t" anchorCtr="0">
+            <a:noAutofit/>
+          </a:bodyPr>
+          <a:lstStyle/>
+          <a:p>
+            <a:pPr marL="0" lvl="0" indent="0" algn="l" rtl="0">
+              <a:spcBef>
+                <a:spcPts val="0"/>
+              </a:spcBef>
+              <a:spcAft>
+                <a:spcPts val="0"/>
+              </a:spcAft>
+              <a:buNone/>
+            </a:pPr>
+            <a:endParaRPr/>
+          </a:p>
+        </p:txBody>
+      </p:sp>
+    </p:spTree>
+    <p:extLst>
+      <p:ext uri="{BB962C8B-B14F-4D97-AF65-F5344CB8AC3E}">
+        <p14:creationId xmlns:p14="http://schemas.microsoft.com/office/powerpoint/2010/main" val="125402903"/>
+      </p:ext>
+    </p:extLst>
+  </p:cSld>
+  <p:clrMapOvr>
+    <a:masterClrMapping/>
+  </p:clrMapOvr>
+</p:notes>
+</file>
+
+<file path=ppt/notesSlides/notesSlide17.xml><?xml version="1.0" encoding="utf-8"?>
+<p:notes xmlns:a="http://schemas.openxmlformats.org/drawingml/2006/main" xmlns:r="http://schemas.openxmlformats.org/officeDocument/2006/relationships" xmlns:p="http://schemas.openxmlformats.org/presentationml/2006/main" showMasterSp="0" showMasterPhAnim="0">
+  <p:cSld>
+    <p:spTree>
+      <p:nvGrpSpPr>
+        <p:cNvPr id="1" name="Shape 411"/>
+        <p:cNvGrpSpPr/>
+        <p:nvPr/>
+      </p:nvGrpSpPr>
+      <p:grpSpPr>
+        <a:xfrm>
+          <a:off x="0" y="0"/>
+          <a:ext cx="0" cy="0"/>
+          <a:chOff x="0" y="0"/>
+          <a:chExt cx="0" cy="0"/>
+        </a:xfrm>
+      </p:grpSpPr>
+      <p:sp>
+        <p:nvSpPr>
+          <p:cNvPr id="412" name="Google Shape;412;g35f391192_057:notes"/>
+          <p:cNvSpPr>
+            <a:spLocks noGrp="1" noRot="1" noChangeAspect="1"/>
+          </p:cNvSpPr>
+          <p:nvPr>
+            <p:ph type="sldImg" idx="2"/>
+          </p:nvPr>
+        </p:nvSpPr>
+        <p:spPr>
+          <a:xfrm>
+            <a:off x="381000" y="685800"/>
+            <a:ext cx="6096000" cy="3429000"/>
+          </a:xfrm>
+          <a:custGeom>
+            <a:avLst/>
+            <a:gdLst/>
+            <a:ahLst/>
+            <a:cxnLst/>
+            <a:rect l="l" t="t" r="r" b="b"/>
+            <a:pathLst>
+              <a:path w="120000" h="120000" extrusionOk="0">
+                <a:moveTo>
+                  <a:pt x="0" y="0"/>
+                </a:moveTo>
+                <a:lnTo>
+                  <a:pt x="120000" y="0"/>
+                </a:lnTo>
+                <a:lnTo>
+                  <a:pt x="120000" y="120000"/>
+                </a:lnTo>
+                <a:lnTo>
+                  <a:pt x="0" y="120000"/>
+                </a:lnTo>
+                <a:close/>
+              </a:path>
+            </a:pathLst>
+          </a:custGeom>
+        </p:spPr>
+      </p:sp>
+      <p:sp>
+        <p:nvSpPr>
+          <p:cNvPr id="413" name="Google Shape;413;g35f391192_057:notes"/>
+          <p:cNvSpPr txBox="1">
+            <a:spLocks noGrp="1"/>
+          </p:cNvSpPr>
+          <p:nvPr>
+            <p:ph type="body" idx="1"/>
+          </p:nvPr>
+        </p:nvSpPr>
+        <p:spPr>
+          <a:xfrm>
+            <a:off x="685800" y="4343400"/>
+            <a:ext cx="5486400" cy="4114800"/>
+          </a:xfrm>
+          <a:prstGeom prst="rect">
+            <a:avLst/>
+          </a:prstGeom>
+        </p:spPr>
+        <p:txBody>
+          <a:bodyPr spcFirstLastPara="1" wrap="square" lIns="91425" tIns="91425" rIns="91425" bIns="91425" anchor="t" anchorCtr="0">
+            <a:noAutofit/>
+          </a:bodyPr>
+          <a:lstStyle/>
+          <a:p>
+            <a:pPr marL="0" lvl="0" indent="0" algn="l" rtl="0">
+              <a:spcBef>
+                <a:spcPts val="0"/>
+              </a:spcBef>
+              <a:spcAft>
+                <a:spcPts val="0"/>
+              </a:spcAft>
+              <a:buNone/>
+            </a:pPr>
+            <a:endParaRPr/>
+          </a:p>
+        </p:txBody>
+      </p:sp>
+    </p:spTree>
+    <p:extLst>
+      <p:ext uri="{BB962C8B-B14F-4D97-AF65-F5344CB8AC3E}">
         <p14:creationId xmlns:p14="http://schemas.microsoft.com/office/powerpoint/2010/main" val="807841423"/>
       </p:ext>
     </p:extLst>
@@ -1466,7 +1698,7 @@
 </p:notes>
 </file>
 
-<file path=ppt/notesSlides/notesSlide16.xml><?xml version="1.0" encoding="utf-8"?>
+<file path=ppt/notesSlides/notesSlide18.xml><?xml version="1.0" encoding="utf-8"?>
 <p:notes xmlns:a="http://schemas.openxmlformats.org/drawingml/2006/main" xmlns:r="http://schemas.openxmlformats.org/officeDocument/2006/relationships" xmlns:p="http://schemas.openxmlformats.org/presentationml/2006/main" showMasterSp="0" showMasterPhAnim="0">
   <p:cSld>
     <p:spTree>
@@ -1996,7 +2228,7 @@
   <p:cSld>
     <p:spTree>
       <p:nvGrpSpPr>
-        <p:cNvPr id="1" name="Shape 402"/>
+        <p:cNvPr id="1" name="Shape 394"/>
         <p:cNvGrpSpPr/>
         <p:nvPr/>
       </p:nvGrpSpPr>
@@ -2010,7 +2242,7 @@
       </p:grpSpPr>
       <p:sp>
         <p:nvSpPr>
-          <p:cNvPr id="403" name="Google Shape;403;g35f391192_045:notes"/>
+          <p:cNvPr id="395" name="Google Shape;395;g35f391192_017:notes"/>
           <p:cNvSpPr>
             <a:spLocks noGrp="1" noRot="1" noChangeAspect="1"/>
           </p:cNvSpPr>
@@ -2051,7 +2283,7 @@
       </p:sp>
       <p:sp>
         <p:nvSpPr>
-          <p:cNvPr id="404" name="Google Shape;404;g35f391192_045:notes"/>
+          <p:cNvPr id="396" name="Google Shape;396;g35f391192_017:notes"/>
           <p:cNvSpPr txBox="1">
             <a:spLocks noGrp="1"/>
           </p:cNvSpPr>
@@ -2088,6 +2320,11 @@
         </p:txBody>
       </p:sp>
     </p:spTree>
+    <p:extLst>
+      <p:ext uri="{BB962C8B-B14F-4D97-AF65-F5344CB8AC3E}">
+        <p14:creationId xmlns:p14="http://schemas.microsoft.com/office/powerpoint/2010/main" val="894309740"/>
+      </p:ext>
+    </p:extLst>
   </p:cSld>
   <p:clrMapOvr>
     <a:masterClrMapping/>
@@ -2192,11 +2429,6 @@
         </p:txBody>
       </p:sp>
     </p:spTree>
-    <p:extLst>
-      <p:ext uri="{BB962C8B-B14F-4D97-AF65-F5344CB8AC3E}">
-        <p14:creationId xmlns:p14="http://schemas.microsoft.com/office/powerpoint/2010/main" val="2702824704"/>
-      </p:ext>
-    </p:extLst>
   </p:cSld>
   <p:clrMapOvr>
     <a:masterClrMapping/>
@@ -2303,7 +2535,7 @@
     </p:spTree>
     <p:extLst>
       <p:ext uri="{BB962C8B-B14F-4D97-AF65-F5344CB8AC3E}">
-        <p14:creationId xmlns:p14="http://schemas.microsoft.com/office/powerpoint/2010/main" val="1085705677"/>
+        <p14:creationId xmlns:p14="http://schemas.microsoft.com/office/powerpoint/2010/main" val="2702824704"/>
       </p:ext>
     </p:extLst>
   </p:cSld>
@@ -2412,7 +2644,7 @@
     </p:spTree>
     <p:extLst>
       <p:ext uri="{BB962C8B-B14F-4D97-AF65-F5344CB8AC3E}">
-        <p14:creationId xmlns:p14="http://schemas.microsoft.com/office/powerpoint/2010/main" val="537004928"/>
+        <p14:creationId xmlns:p14="http://schemas.microsoft.com/office/powerpoint/2010/main" val="1085705677"/>
       </p:ext>
     </p:extLst>
   </p:cSld>
@@ -32921,6 +33153,346 @@
         </p:nvSpPr>
         <p:spPr>
           <a:xfrm>
+            <a:off x="1732699" y="2380900"/>
+            <a:ext cx="7313329" cy="2544900"/>
+          </a:xfrm>
+          <a:prstGeom prst="rect">
+            <a:avLst/>
+          </a:prstGeom>
+        </p:spPr>
+        <p:txBody>
+          <a:bodyPr spcFirstLastPara="1" wrap="square" lIns="91425" tIns="91425" rIns="91425" bIns="91425" anchor="t" anchorCtr="0">
+            <a:noAutofit/>
+          </a:bodyPr>
+          <a:lstStyle/>
+          <a:p>
+            <a:pPr marL="285750" indent="-285750"/>
+            <a:r>
+              <a:rPr lang="pt-BR" sz="1600" dirty="0">
+                <a:solidFill>
+                  <a:schemeClr val="tx1"/>
+                </a:solidFill>
+                <a:latin typeface="+mn-lt"/>
+              </a:rPr>
+              <a:t>[RF006]O Funcionário poderá efetuar login;</a:t>
+            </a:r>
+          </a:p>
+          <a:p>
+            <a:pPr marL="285750" indent="-285750"/>
+            <a:r>
+              <a:rPr lang="pt-BR" sz="1600" dirty="0">
+                <a:solidFill>
+                  <a:schemeClr val="tx1"/>
+                </a:solidFill>
+                <a:latin typeface="+mn-lt"/>
+              </a:rPr>
+              <a:t>[RF007]O Funcionário poderá verificar solicitações de livros dos leitores</a:t>
+            </a:r>
+          </a:p>
+          <a:p>
+            <a:pPr marL="285750" indent="-285750"/>
+            <a:r>
+              <a:rPr lang="pt-BR" sz="1600" dirty="0">
+                <a:solidFill>
+                  <a:schemeClr val="tx1"/>
+                </a:solidFill>
+                <a:latin typeface="+mn-lt"/>
+              </a:rPr>
+              <a:t>[RF008]O Funcionário poderá adicionar novos livros</a:t>
+            </a:r>
+          </a:p>
+        </p:txBody>
+      </p:sp>
+      <p:pic>
+        <p:nvPicPr>
+          <p:cNvPr id="5" name="Imagem 4">
+            <a:extLst>
+              <a:ext uri="{FF2B5EF4-FFF2-40B4-BE49-F238E27FC236}">
+                <a16:creationId xmlns:a16="http://schemas.microsoft.com/office/drawing/2014/main" id="{385E3AF2-2199-401D-A534-61CBD4C16CED}"/>
+              </a:ext>
+            </a:extLst>
+          </p:cNvPr>
+          <p:cNvPicPr>
+            <a:picLocks noChangeAspect="1"/>
+          </p:cNvPicPr>
+          <p:nvPr/>
+        </p:nvPicPr>
+        <p:blipFill>
+          <a:blip r:embed="rId3"/>
+          <a:stretch>
+            <a:fillRect/>
+          </a:stretch>
+        </p:blipFill>
+        <p:spPr>
+          <a:xfrm>
+            <a:off x="49925" y="1181100"/>
+            <a:ext cx="512332" cy="447362"/>
+          </a:xfrm>
+          <a:prstGeom prst="rect">
+            <a:avLst/>
+          </a:prstGeom>
+        </p:spPr>
+      </p:pic>
+    </p:spTree>
+    <p:extLst>
+      <p:ext uri="{BB962C8B-B14F-4D97-AF65-F5344CB8AC3E}">
+        <p14:creationId xmlns:p14="http://schemas.microsoft.com/office/powerpoint/2010/main" val="1946710444"/>
+      </p:ext>
+    </p:extLst>
+  </p:cSld>
+  <p:clrMapOvr>
+    <a:masterClrMapping/>
+  </p:clrMapOvr>
+</p:sld>
+</file>
+
+<file path=ppt/slides/slide11.xml><?xml version="1.0" encoding="utf-8"?>
+<p:sld xmlns:a="http://schemas.openxmlformats.org/drawingml/2006/main" xmlns:r="http://schemas.openxmlformats.org/officeDocument/2006/relationships" xmlns:p="http://schemas.openxmlformats.org/presentationml/2006/main">
+  <p:cSld>
+    <p:spTree>
+      <p:nvGrpSpPr>
+        <p:cNvPr id="1" name="Shape 405"/>
+        <p:cNvGrpSpPr/>
+        <p:nvPr/>
+      </p:nvGrpSpPr>
+      <p:grpSpPr>
+        <a:xfrm>
+          <a:off x="0" y="0"/>
+          <a:ext cx="0" cy="0"/>
+          <a:chOff x="0" y="0"/>
+          <a:chExt cx="0" cy="0"/>
+        </a:xfrm>
+      </p:grpSpPr>
+      <p:sp>
+        <p:nvSpPr>
+          <p:cNvPr id="406" name="Google Shape;406;p19"/>
+          <p:cNvSpPr txBox="1">
+            <a:spLocks noGrp="1"/>
+          </p:cNvSpPr>
+          <p:nvPr>
+            <p:ph type="title"/>
+          </p:nvPr>
+        </p:nvSpPr>
+        <p:spPr>
+          <a:xfrm>
+            <a:off x="1732700" y="1735600"/>
+            <a:ext cx="6871550" cy="645300"/>
+          </a:xfrm>
+          <a:prstGeom prst="rect">
+            <a:avLst/>
+          </a:prstGeom>
+        </p:spPr>
+        <p:txBody>
+          <a:bodyPr spcFirstLastPara="1" wrap="square" lIns="91425" tIns="91425" rIns="91425" bIns="91425" anchor="b" anchorCtr="0">
+            <a:noAutofit/>
+          </a:bodyPr>
+          <a:lstStyle/>
+          <a:p>
+            <a:pPr marL="0" lvl="0" indent="0" algn="l" rtl="0">
+              <a:spcBef>
+                <a:spcPts val="0"/>
+              </a:spcBef>
+              <a:spcAft>
+                <a:spcPts val="0"/>
+              </a:spcAft>
+              <a:buNone/>
+            </a:pPr>
+            <a:r>
+              <a:rPr lang="pt-BR" dirty="0"/>
+              <a:t>Requisitos Não Funcionais</a:t>
+            </a:r>
+            <a:endParaRPr dirty="0"/>
+          </a:p>
+        </p:txBody>
+      </p:sp>
+      <p:sp>
+        <p:nvSpPr>
+          <p:cNvPr id="407" name="Google Shape;407;p19"/>
+          <p:cNvSpPr txBox="1">
+            <a:spLocks noGrp="1"/>
+          </p:cNvSpPr>
+          <p:nvPr>
+            <p:ph type="body" idx="1"/>
+          </p:nvPr>
+        </p:nvSpPr>
+        <p:spPr>
+          <a:xfrm>
+            <a:off x="1732700" y="2380900"/>
+            <a:ext cx="7087450" cy="1511831"/>
+          </a:xfrm>
+          <a:prstGeom prst="rect">
+            <a:avLst/>
+          </a:prstGeom>
+        </p:spPr>
+        <p:txBody>
+          <a:bodyPr spcFirstLastPara="1" wrap="square" lIns="91425" tIns="91425" rIns="91425" bIns="91425" anchor="t" anchorCtr="0">
+            <a:noAutofit/>
+          </a:bodyPr>
+          <a:lstStyle/>
+          <a:p>
+            <a:pPr marL="285750" indent="-285750"/>
+            <a:r>
+              <a:rPr lang="pt-BR" sz="1600" dirty="0">
+                <a:solidFill>
+                  <a:schemeClr val="tx1"/>
+                </a:solidFill>
+                <a:latin typeface="+mn-lt"/>
+              </a:rPr>
+              <a:t>[RNF001] O sistema deve ser padronizado (fontes, cores, etc.)</a:t>
+            </a:r>
+          </a:p>
+          <a:p>
+            <a:pPr marL="285750" indent="-285750"/>
+            <a:r>
+              <a:rPr lang="pt-BR" sz="1600" dirty="0">
+                <a:solidFill>
+                  <a:schemeClr val="tx1"/>
+                </a:solidFill>
+                <a:latin typeface="+mn-lt"/>
+              </a:rPr>
+              <a:t>[RNF002] A interface deve ser clara, de fácil entendimento</a:t>
+            </a:r>
+          </a:p>
+          <a:p>
+            <a:pPr marL="285750" indent="-285750"/>
+            <a:r>
+              <a:rPr lang="pt-BR" sz="1600" dirty="0">
+                <a:solidFill>
+                  <a:schemeClr val="tx1"/>
+                </a:solidFill>
+                <a:latin typeface="+mn-lt"/>
+              </a:rPr>
+              <a:t>[RNF003] O leitor só poderá ler os livros pelo site</a:t>
+            </a:r>
+          </a:p>
+          <a:p>
+            <a:pPr marL="285750" indent="-285750"/>
+            <a:r>
+              <a:rPr lang="pt-BR" sz="1600" dirty="0">
+                <a:solidFill>
+                  <a:schemeClr val="tx1"/>
+                </a:solidFill>
+                <a:latin typeface="+mn-lt"/>
+              </a:rPr>
+              <a:t>[RNF004] A aplicação deve ser de fácil uso</a:t>
+            </a:r>
+          </a:p>
+        </p:txBody>
+      </p:sp>
+      <p:pic>
+        <p:nvPicPr>
+          <p:cNvPr id="5" name="Imagem 4">
+            <a:extLst>
+              <a:ext uri="{FF2B5EF4-FFF2-40B4-BE49-F238E27FC236}">
+                <a16:creationId xmlns:a16="http://schemas.microsoft.com/office/drawing/2014/main" id="{540560D3-247F-402C-A264-87E349908A54}"/>
+              </a:ext>
+            </a:extLst>
+          </p:cNvPr>
+          <p:cNvPicPr>
+            <a:picLocks noChangeAspect="1"/>
+          </p:cNvPicPr>
+          <p:nvPr/>
+        </p:nvPicPr>
+        <p:blipFill>
+          <a:blip r:embed="rId3"/>
+          <a:stretch>
+            <a:fillRect/>
+          </a:stretch>
+        </p:blipFill>
+        <p:spPr>
+          <a:xfrm>
+            <a:off x="49925" y="1181100"/>
+            <a:ext cx="512332" cy="447362"/>
+          </a:xfrm>
+          <a:prstGeom prst="rect">
+            <a:avLst/>
+          </a:prstGeom>
+        </p:spPr>
+      </p:pic>
+    </p:spTree>
+    <p:extLst>
+      <p:ext uri="{BB962C8B-B14F-4D97-AF65-F5344CB8AC3E}">
+        <p14:creationId xmlns:p14="http://schemas.microsoft.com/office/powerpoint/2010/main" val="136941095"/>
+      </p:ext>
+    </p:extLst>
+  </p:cSld>
+  <p:clrMapOvr>
+    <a:masterClrMapping/>
+  </p:clrMapOvr>
+</p:sld>
+</file>
+
+<file path=ppt/slides/slide12.xml><?xml version="1.0" encoding="utf-8"?>
+<p:sld xmlns:a="http://schemas.openxmlformats.org/drawingml/2006/main" xmlns:r="http://schemas.openxmlformats.org/officeDocument/2006/relationships" xmlns:p="http://schemas.openxmlformats.org/presentationml/2006/main">
+  <p:cSld>
+    <p:spTree>
+      <p:nvGrpSpPr>
+        <p:cNvPr id="1" name="Shape 405"/>
+        <p:cNvGrpSpPr/>
+        <p:nvPr/>
+      </p:nvGrpSpPr>
+      <p:grpSpPr>
+        <a:xfrm>
+          <a:off x="0" y="0"/>
+          <a:ext cx="0" cy="0"/>
+          <a:chOff x="0" y="0"/>
+          <a:chExt cx="0" cy="0"/>
+        </a:xfrm>
+      </p:grpSpPr>
+      <p:sp>
+        <p:nvSpPr>
+          <p:cNvPr id="406" name="Google Shape;406;p19"/>
+          <p:cNvSpPr txBox="1">
+            <a:spLocks noGrp="1"/>
+          </p:cNvSpPr>
+          <p:nvPr>
+            <p:ph type="title"/>
+          </p:nvPr>
+        </p:nvSpPr>
+        <p:spPr>
+          <a:xfrm>
+            <a:off x="1732700" y="1735600"/>
+            <a:ext cx="6871550" cy="645300"/>
+          </a:xfrm>
+          <a:prstGeom prst="rect">
+            <a:avLst/>
+          </a:prstGeom>
+        </p:spPr>
+        <p:txBody>
+          <a:bodyPr spcFirstLastPara="1" wrap="square" lIns="91425" tIns="91425" rIns="91425" bIns="91425" anchor="b" anchorCtr="0">
+            <a:noAutofit/>
+          </a:bodyPr>
+          <a:lstStyle/>
+          <a:p>
+            <a:pPr marL="0" lvl="0" indent="0" algn="l" rtl="0">
+              <a:spcBef>
+                <a:spcPts val="0"/>
+              </a:spcBef>
+              <a:spcAft>
+                <a:spcPts val="0"/>
+              </a:spcAft>
+              <a:buNone/>
+            </a:pPr>
+            <a:r>
+              <a:rPr lang="pt-BR" dirty="0"/>
+              <a:t>Requisitos Não Funcionais</a:t>
+            </a:r>
+            <a:endParaRPr dirty="0"/>
+          </a:p>
+        </p:txBody>
+      </p:sp>
+      <p:sp>
+        <p:nvSpPr>
+          <p:cNvPr id="407" name="Google Shape;407;p19"/>
+          <p:cNvSpPr txBox="1">
+            <a:spLocks noGrp="1"/>
+          </p:cNvSpPr>
+          <p:nvPr>
+            <p:ph type="body" idx="1"/>
+          </p:nvPr>
+        </p:nvSpPr>
+        <p:spPr>
+          <a:xfrm>
             <a:off x="1732700" y="2380900"/>
             <a:ext cx="6960631" cy="1511831"/>
           </a:xfrm>
@@ -32953,7 +33525,7 @@
                 <a:latin typeface="Arial" panose="020B0604020202020204" pitchFamily="34" charset="0"/>
                 <a:cs typeface="Arial" panose="020B0604020202020204" pitchFamily="34" charset="0"/>
               </a:rPr>
-              <a:t>txt</a:t>
+              <a:t>pdf</a:t>
             </a:r>
             <a:r>
               <a:rPr lang="pt-BR" sz="1600" dirty="0">
@@ -33037,7 +33609,7 @@
 </p:sld>
 </file>
 
-<file path=ppt/slides/slide11.xml><?xml version="1.0" encoding="utf-8"?>
+<file path=ppt/slides/slide13.xml><?xml version="1.0" encoding="utf-8"?>
 <p:sld xmlns:a="http://schemas.openxmlformats.org/drawingml/2006/main" xmlns:r="http://schemas.openxmlformats.org/officeDocument/2006/relationships" xmlns:p="http://schemas.openxmlformats.org/presentationml/2006/main">
   <p:cSld>
     <p:spTree>
@@ -33098,35 +33670,32 @@
       </p:sp>
       <p:pic>
         <p:nvPicPr>
-          <p:cNvPr id="6" name="Google Shape;153;p10">
+          <p:cNvPr id="3" name="Imagem 2">
             <a:extLst>
               <a:ext uri="{FF2B5EF4-FFF2-40B4-BE49-F238E27FC236}">
-                <a16:creationId xmlns:a16="http://schemas.microsoft.com/office/drawing/2014/main" id="{2B65A10A-A3B5-4092-88AC-E8A2E5BA0909}"/>
+                <a16:creationId xmlns:a16="http://schemas.microsoft.com/office/drawing/2014/main" id="{8B11528D-C23F-4CE3-917F-08E17F306E24}"/>
               </a:ext>
             </a:extLst>
           </p:cNvPr>
-          <p:cNvPicPr preferRelativeResize="0"/>
+          <p:cNvPicPr>
+            <a:picLocks noChangeAspect="1"/>
+          </p:cNvPicPr>
           <p:nvPr/>
         </p:nvPicPr>
-        <p:blipFill rotWithShape="1">
-          <a:blip r:embed="rId3">
-            <a:alphaModFix/>
-          </a:blip>
-          <a:srcRect/>
-          <a:stretch/>
+        <p:blipFill>
+          <a:blip r:embed="rId3"/>
+          <a:stretch>
+            <a:fillRect/>
+          </a:stretch>
         </p:blipFill>
         <p:spPr>
           <a:xfrm>
-            <a:off x="287907" y="1610655"/>
-            <a:ext cx="4706337" cy="3236639"/>
+            <a:off x="287907" y="1461322"/>
+            <a:ext cx="4706337" cy="3385971"/>
           </a:xfrm>
           <a:prstGeom prst="rect">
             <a:avLst/>
           </a:prstGeom>
-          <a:noFill/>
-          <a:ln>
-            <a:noFill/>
-          </a:ln>
         </p:spPr>
       </p:pic>
     </p:spTree>
@@ -33137,7 +33706,7 @@
 </p:sld>
 </file>
 
-<file path=ppt/slides/slide12.xml><?xml version="1.0" encoding="utf-8"?>
+<file path=ppt/slides/slide14.xml><?xml version="1.0" encoding="utf-8"?>
 <p:sld xmlns:a="http://schemas.openxmlformats.org/drawingml/2006/main" xmlns:r="http://schemas.openxmlformats.org/officeDocument/2006/relationships" xmlns:p="http://schemas.openxmlformats.org/presentationml/2006/main">
   <p:cSld>
     <p:spTree>
@@ -33198,35 +33767,32 @@
       </p:sp>
       <p:pic>
         <p:nvPicPr>
-          <p:cNvPr id="4" name="Google Shape;159;p11">
+          <p:cNvPr id="5" name="Imagem 4">
             <a:extLst>
               <a:ext uri="{FF2B5EF4-FFF2-40B4-BE49-F238E27FC236}">
-                <a16:creationId xmlns:a16="http://schemas.microsoft.com/office/drawing/2014/main" id="{60E0B509-BDA0-4C39-8084-67D566638EA7}"/>
+                <a16:creationId xmlns:a16="http://schemas.microsoft.com/office/drawing/2014/main" id="{FFE910E7-1C5C-447A-917C-E5620355CF16}"/>
               </a:ext>
             </a:extLst>
           </p:cNvPr>
-          <p:cNvPicPr preferRelativeResize="0"/>
+          <p:cNvPicPr>
+            <a:picLocks noChangeAspect="1"/>
+          </p:cNvPicPr>
           <p:nvPr/>
         </p:nvPicPr>
-        <p:blipFill rotWithShape="1">
-          <a:blip r:embed="rId3">
-            <a:alphaModFix/>
-          </a:blip>
-          <a:srcRect/>
-          <a:stretch/>
+        <p:blipFill>
+          <a:blip r:embed="rId3"/>
+          <a:stretch>
+            <a:fillRect/>
+          </a:stretch>
         </p:blipFill>
         <p:spPr>
           <a:xfrm>
-            <a:off x="252635" y="1605200"/>
-            <a:ext cx="4770215" cy="3317968"/>
+            <a:off x="252636" y="1913860"/>
+            <a:ext cx="4754872" cy="3009770"/>
           </a:xfrm>
           <a:prstGeom prst="rect">
             <a:avLst/>
           </a:prstGeom>
-          <a:noFill/>
-          <a:ln>
-            <a:noFill/>
-          </a:ln>
         </p:spPr>
       </p:pic>
     </p:spTree>
@@ -33242,7 +33808,7 @@
 </p:sld>
 </file>
 
-<file path=ppt/slides/slide13.xml><?xml version="1.0" encoding="utf-8"?>
+<file path=ppt/slides/slide15.xml><?xml version="1.0" encoding="utf-8"?>
 <p:sld xmlns:a="http://schemas.openxmlformats.org/drawingml/2006/main" xmlns:r="http://schemas.openxmlformats.org/officeDocument/2006/relationships" xmlns:p="http://schemas.openxmlformats.org/presentationml/2006/main">
   <p:cSld>
     <p:spTree>
@@ -33347,7 +33913,7 @@
 </p:sld>
 </file>
 
-<file path=ppt/slides/slide14.xml><?xml version="1.0" encoding="utf-8"?>
+<file path=ppt/slides/slide16.xml><?xml version="1.0" encoding="utf-8"?>
 <p:sld xmlns:a="http://schemas.openxmlformats.org/drawingml/2006/main" xmlns:r="http://schemas.openxmlformats.org/officeDocument/2006/relationships" xmlns:p="http://schemas.openxmlformats.org/presentationml/2006/main">
   <p:cSld>
     <p:spTree>
@@ -33449,7 +34015,7 @@
 </p:sld>
 </file>
 
-<file path=ppt/slides/slide15.xml><?xml version="1.0" encoding="utf-8"?>
+<file path=ppt/slides/slide17.xml><?xml version="1.0" encoding="utf-8"?>
 <p:sld xmlns:a="http://schemas.openxmlformats.org/drawingml/2006/main" xmlns:r="http://schemas.openxmlformats.org/officeDocument/2006/relationships" xmlns:p="http://schemas.openxmlformats.org/presentationml/2006/main">
   <p:cSld>
     <p:spTree>
@@ -33581,7 +34147,7 @@
 </p:sld>
 </file>
 
-<file path=ppt/slides/slide16.xml><?xml version="1.0" encoding="utf-8"?>
+<file path=ppt/slides/slide18.xml><?xml version="1.0" encoding="utf-8"?>
 <p:sld xmlns:a="http://schemas.openxmlformats.org/drawingml/2006/main" xmlns:r="http://schemas.openxmlformats.org/officeDocument/2006/relationships" xmlns:p="http://schemas.openxmlformats.org/presentationml/2006/main">
   <p:cSld>
     <p:spTree>
@@ -33955,7 +34521,7 @@
         <p:spPr>
           <a:xfrm>
             <a:off x="2698749" y="1108238"/>
-            <a:ext cx="5363935" cy="1015663"/>
+            <a:ext cx="5363935" cy="707886"/>
           </a:xfrm>
           <a:prstGeom prst="rect">
             <a:avLst/>
@@ -33991,7 +34557,7 @@
                 </a:solidFill>
                 <a:latin typeface="Nixie One" panose="020B0604020202020204" charset="0"/>
               </a:rPr>
-              <a:t>Apresentação dos projetos e relatórios de informática</a:t>
+              <a:t>Apresentação do projeto de informática</a:t>
             </a:r>
           </a:p>
         </p:txBody>
@@ -34033,7 +34599,7 @@
                 </a:solidFill>
                 <a:latin typeface="Nixie One" panose="020B0604020202020204" charset="0"/>
               </a:rPr>
-              <a:t>Orientadores:</a:t>
+              <a:t>Orientadora:</a:t>
             </a:r>
           </a:p>
           <a:p>
@@ -34416,6 +34982,36 @@
           </a:p>
         </p:txBody>
       </p:sp>
+      <p:pic>
+        <p:nvPicPr>
+          <p:cNvPr id="2" name="Imagem 1">
+            <a:extLst>
+              <a:ext uri="{FF2B5EF4-FFF2-40B4-BE49-F238E27FC236}">
+                <a16:creationId xmlns:a16="http://schemas.microsoft.com/office/drawing/2014/main" id="{5733CAEF-EC04-465E-85EC-1ACC0095F601}"/>
+              </a:ext>
+            </a:extLst>
+          </p:cNvPr>
+          <p:cNvPicPr>
+            <a:picLocks noChangeAspect="1"/>
+          </p:cNvPicPr>
+          <p:nvPr/>
+        </p:nvPicPr>
+        <p:blipFill>
+          <a:blip r:embed="rId3"/>
+          <a:stretch>
+            <a:fillRect/>
+          </a:stretch>
+        </p:blipFill>
+        <p:spPr>
+          <a:xfrm>
+            <a:off x="9525" y="1203787"/>
+            <a:ext cx="542925" cy="428625"/>
+          </a:xfrm>
+          <a:prstGeom prst="rect">
+            <a:avLst/>
+          </a:prstGeom>
+        </p:spPr>
+      </p:pic>
     </p:spTree>
   </p:cSld>
   <p:clrMapOvr>
@@ -34614,30 +35210,7 @@
                 <a:cs typeface="Arial"/>
                 <a:sym typeface="Arial"/>
               </a:rPr>
-              <a:t>Desenvolver uma aplicação WEB de aluguel e venda de livros por um determinado valor em um </a:t>
-            </a:r>
-            <a:br>
-              <a:rPr lang="pt-BR" sz="2400" dirty="0">
-                <a:solidFill>
-                  <a:schemeClr val="tx1"/>
-                </a:solidFill>
-                <a:latin typeface="+mj-lt"/>
-                <a:ea typeface="Arial"/>
-                <a:cs typeface="Arial"/>
-                <a:sym typeface="Arial"/>
-              </a:rPr>
-            </a:br>
-            <a:r>
-              <a:rPr lang="pt-BR" sz="2400" dirty="0">
-                <a:solidFill>
-                  <a:schemeClr val="tx1"/>
-                </a:solidFill>
-                <a:latin typeface="+mj-lt"/>
-                <a:ea typeface="Arial"/>
-                <a:cs typeface="Arial"/>
-                <a:sym typeface="Arial"/>
-              </a:rPr>
-              <a:t>período de tempo.</a:t>
+              <a:t>Desenvolver uma aplicação WEB de aluguel e compra de livros.</a:t>
             </a:r>
             <a:endParaRPr lang="pt-BR" sz="2800" dirty="0">
               <a:solidFill>
@@ -37747,6 +38320,496 @@
   <p:cSld>
     <p:spTree>
       <p:nvGrpSpPr>
+        <p:cNvPr id="1" name="Shape 397"/>
+        <p:cNvGrpSpPr/>
+        <p:nvPr/>
+      </p:nvGrpSpPr>
+      <p:grpSpPr>
+        <a:xfrm>
+          <a:off x="0" y="0"/>
+          <a:ext cx="0" cy="0"/>
+          <a:chOff x="0" y="0"/>
+          <a:chExt cx="0" cy="0"/>
+        </a:xfrm>
+      </p:grpSpPr>
+      <p:sp>
+        <p:nvSpPr>
+          <p:cNvPr id="399" name="Google Shape;399;p18"/>
+          <p:cNvSpPr txBox="1">
+            <a:spLocks noGrp="1"/>
+          </p:cNvSpPr>
+          <p:nvPr>
+            <p:ph type="title"/>
+          </p:nvPr>
+        </p:nvSpPr>
+        <p:spPr>
+          <a:xfrm>
+            <a:off x="1633020" y="1329386"/>
+            <a:ext cx="5201500" cy="645300"/>
+          </a:xfrm>
+          <a:prstGeom prst="rect">
+            <a:avLst/>
+          </a:prstGeom>
+        </p:spPr>
+        <p:txBody>
+          <a:bodyPr spcFirstLastPara="1" wrap="square" lIns="91425" tIns="91425" rIns="91425" bIns="91425" anchor="b" anchorCtr="0">
+            <a:noAutofit/>
+          </a:bodyPr>
+          <a:lstStyle/>
+          <a:p>
+            <a:pPr marL="0" lvl="0" indent="0" algn="l" rtl="0">
+              <a:spcBef>
+                <a:spcPts val="0"/>
+              </a:spcBef>
+              <a:spcAft>
+                <a:spcPts val="0"/>
+              </a:spcAft>
+              <a:buNone/>
+            </a:pPr>
+            <a:r>
+              <a:rPr lang="pt-BR" dirty="0"/>
+              <a:t>Recursos Utilizados</a:t>
+            </a:r>
+            <a:endParaRPr dirty="0"/>
+          </a:p>
+        </p:txBody>
+      </p:sp>
+      <p:pic>
+        <p:nvPicPr>
+          <p:cNvPr id="3" name="Imagem 2">
+            <a:extLst>
+              <a:ext uri="{FF2B5EF4-FFF2-40B4-BE49-F238E27FC236}">
+                <a16:creationId xmlns:a16="http://schemas.microsoft.com/office/drawing/2014/main" id="{CBFF70F8-42C3-4FC6-BE5F-A1E7FD41E2F6}"/>
+              </a:ext>
+            </a:extLst>
+          </p:cNvPr>
+          <p:cNvPicPr>
+            <a:picLocks noChangeAspect="1"/>
+          </p:cNvPicPr>
+          <p:nvPr/>
+        </p:nvPicPr>
+        <p:blipFill>
+          <a:blip r:embed="rId3"/>
+          <a:stretch>
+            <a:fillRect/>
+          </a:stretch>
+        </p:blipFill>
+        <p:spPr>
+          <a:xfrm>
+            <a:off x="49925" y="1181100"/>
+            <a:ext cx="512332" cy="447362"/>
+          </a:xfrm>
+          <a:prstGeom prst="rect">
+            <a:avLst/>
+          </a:prstGeom>
+        </p:spPr>
+      </p:pic>
+      <p:pic>
+        <p:nvPicPr>
+          <p:cNvPr id="16" name="Imagem 15">
+            <a:extLst>
+              <a:ext uri="{FF2B5EF4-FFF2-40B4-BE49-F238E27FC236}">
+                <a16:creationId xmlns:a16="http://schemas.microsoft.com/office/drawing/2014/main" id="{F8B3281C-A8E0-4676-89F1-D4BB7D32A658}"/>
+              </a:ext>
+            </a:extLst>
+          </p:cNvPr>
+          <p:cNvPicPr>
+            <a:picLocks noChangeAspect="1"/>
+          </p:cNvPicPr>
+          <p:nvPr/>
+        </p:nvPicPr>
+        <p:blipFill>
+          <a:blip r:embed="rId4"/>
+          <a:stretch>
+            <a:fillRect/>
+          </a:stretch>
+        </p:blipFill>
+        <p:spPr>
+          <a:xfrm>
+            <a:off x="3638999" y="3671604"/>
+            <a:ext cx="1120000" cy="1008000"/>
+          </a:xfrm>
+          <a:prstGeom prst="rect">
+            <a:avLst/>
+          </a:prstGeom>
+        </p:spPr>
+      </p:pic>
+      <p:pic>
+        <p:nvPicPr>
+          <p:cNvPr id="20" name="Imagem 19">
+            <a:extLst>
+              <a:ext uri="{FF2B5EF4-FFF2-40B4-BE49-F238E27FC236}">
+                <a16:creationId xmlns:a16="http://schemas.microsoft.com/office/drawing/2014/main" id="{56B082A7-9B1B-4D51-8C2F-12717A6F48FD}"/>
+              </a:ext>
+            </a:extLst>
+          </p:cNvPr>
+          <p:cNvPicPr>
+            <a:picLocks noChangeAspect="1"/>
+          </p:cNvPicPr>
+          <p:nvPr/>
+        </p:nvPicPr>
+        <p:blipFill>
+          <a:blip r:embed="rId5"/>
+          <a:stretch>
+            <a:fillRect/>
+          </a:stretch>
+        </p:blipFill>
+        <p:spPr>
+          <a:xfrm>
+            <a:off x="5180164" y="2191108"/>
+            <a:ext cx="1119550" cy="1152000"/>
+          </a:xfrm>
+          <a:prstGeom prst="rect">
+            <a:avLst/>
+          </a:prstGeom>
+        </p:spPr>
+      </p:pic>
+      <p:pic>
+        <p:nvPicPr>
+          <p:cNvPr id="22" name="Imagem 21">
+            <a:extLst>
+              <a:ext uri="{FF2B5EF4-FFF2-40B4-BE49-F238E27FC236}">
+                <a16:creationId xmlns:a16="http://schemas.microsoft.com/office/drawing/2014/main" id="{E58DB0B7-27C8-4686-82B8-544D596DDDE0}"/>
+              </a:ext>
+            </a:extLst>
+          </p:cNvPr>
+          <p:cNvPicPr>
+            <a:picLocks noChangeAspect="1"/>
+          </p:cNvPicPr>
+          <p:nvPr/>
+        </p:nvPicPr>
+        <p:blipFill rotWithShape="1">
+          <a:blip r:embed="rId6"/>
+          <a:srcRect l="14379" r="8529"/>
+          <a:stretch/>
+        </p:blipFill>
+        <p:spPr>
+          <a:xfrm>
+            <a:off x="5347334" y="3667108"/>
+            <a:ext cx="777085" cy="1008000"/>
+          </a:xfrm>
+          <a:prstGeom prst="rect">
+            <a:avLst/>
+          </a:prstGeom>
+        </p:spPr>
+      </p:pic>
+      <p:pic>
+        <p:nvPicPr>
+          <p:cNvPr id="24" name="Imagem 23">
+            <a:extLst>
+              <a:ext uri="{FF2B5EF4-FFF2-40B4-BE49-F238E27FC236}">
+                <a16:creationId xmlns:a16="http://schemas.microsoft.com/office/drawing/2014/main" id="{223F2FC3-D33C-4C6F-A780-D028CB935089}"/>
+              </a:ext>
+            </a:extLst>
+          </p:cNvPr>
+          <p:cNvPicPr>
+            <a:picLocks noChangeAspect="1"/>
+          </p:cNvPicPr>
+          <p:nvPr/>
+        </p:nvPicPr>
+        <p:blipFill>
+          <a:blip r:embed="rId7"/>
+          <a:stretch>
+            <a:fillRect/>
+          </a:stretch>
+        </p:blipFill>
+        <p:spPr>
+          <a:xfrm>
+            <a:off x="3673831" y="2191108"/>
+            <a:ext cx="1008000" cy="1008000"/>
+          </a:xfrm>
+          <a:prstGeom prst="rect">
+            <a:avLst/>
+          </a:prstGeom>
+        </p:spPr>
+      </p:pic>
+      <p:pic>
+        <p:nvPicPr>
+          <p:cNvPr id="26" name="Imagem 25">
+            <a:extLst>
+              <a:ext uri="{FF2B5EF4-FFF2-40B4-BE49-F238E27FC236}">
+                <a16:creationId xmlns:a16="http://schemas.microsoft.com/office/drawing/2014/main" id="{74727864-41B9-46DE-B732-4DE00C513DE8}"/>
+              </a:ext>
+            </a:extLst>
+          </p:cNvPr>
+          <p:cNvPicPr>
+            <a:picLocks noChangeAspect="1"/>
+          </p:cNvPicPr>
+          <p:nvPr/>
+        </p:nvPicPr>
+        <p:blipFill>
+          <a:blip r:embed="rId8"/>
+          <a:stretch>
+            <a:fillRect/>
+          </a:stretch>
+        </p:blipFill>
+        <p:spPr>
+          <a:xfrm>
+            <a:off x="2143382" y="2191108"/>
+            <a:ext cx="1008000" cy="1008000"/>
+          </a:xfrm>
+          <a:prstGeom prst="rect">
+            <a:avLst/>
+          </a:prstGeom>
+        </p:spPr>
+      </p:pic>
+      <p:pic>
+        <p:nvPicPr>
+          <p:cNvPr id="384" name="Imagem 383">
+            <a:extLst>
+              <a:ext uri="{FF2B5EF4-FFF2-40B4-BE49-F238E27FC236}">
+                <a16:creationId xmlns:a16="http://schemas.microsoft.com/office/drawing/2014/main" id="{2FDC6C49-AF34-4445-90EA-8D83150A8760}"/>
+              </a:ext>
+            </a:extLst>
+          </p:cNvPr>
+          <p:cNvPicPr>
+            <a:picLocks noChangeAspect="1"/>
+          </p:cNvPicPr>
+          <p:nvPr/>
+        </p:nvPicPr>
+        <p:blipFill>
+          <a:blip r:embed="rId9"/>
+          <a:stretch>
+            <a:fillRect/>
+          </a:stretch>
+        </p:blipFill>
+        <p:spPr>
+          <a:xfrm>
+            <a:off x="2164550" y="3667108"/>
+            <a:ext cx="1008000" cy="1008000"/>
+          </a:xfrm>
+          <a:prstGeom prst="rect">
+            <a:avLst/>
+          </a:prstGeom>
+        </p:spPr>
+      </p:pic>
+      <p:cxnSp>
+        <p:nvCxnSpPr>
+          <p:cNvPr id="388" name="Conector de Seta Reta 387">
+            <a:extLst>
+              <a:ext uri="{FF2B5EF4-FFF2-40B4-BE49-F238E27FC236}">
+                <a16:creationId xmlns:a16="http://schemas.microsoft.com/office/drawing/2014/main" id="{858184F5-DE5B-4631-BB21-441D31B9995F}"/>
+              </a:ext>
+            </a:extLst>
+          </p:cNvPr>
+          <p:cNvCxnSpPr>
+            <a:stCxn id="384" idx="3"/>
+            <a:endCxn id="16" idx="1"/>
+          </p:cNvCxnSpPr>
+          <p:nvPr/>
+        </p:nvCxnSpPr>
+        <p:spPr>
+          <a:xfrm>
+            <a:off x="3172550" y="4171108"/>
+            <a:ext cx="466449" cy="4496"/>
+          </a:xfrm>
+          <a:prstGeom prst="straightConnector1">
+            <a:avLst/>
+          </a:prstGeom>
+          <a:ln>
+            <a:tailEnd type="triangle"/>
+          </a:ln>
+        </p:spPr>
+        <p:style>
+          <a:lnRef idx="1">
+            <a:schemeClr val="accent1"/>
+          </a:lnRef>
+          <a:fillRef idx="0">
+            <a:schemeClr val="accent1"/>
+          </a:fillRef>
+          <a:effectRef idx="0">
+            <a:schemeClr val="accent1"/>
+          </a:effectRef>
+          <a:fontRef idx="minor">
+            <a:schemeClr val="tx1"/>
+          </a:fontRef>
+        </p:style>
+      </p:cxnSp>
+      <p:cxnSp>
+        <p:nvCxnSpPr>
+          <p:cNvPr id="390" name="Conector de Seta Reta 389">
+            <a:extLst>
+              <a:ext uri="{FF2B5EF4-FFF2-40B4-BE49-F238E27FC236}">
+                <a16:creationId xmlns:a16="http://schemas.microsoft.com/office/drawing/2014/main" id="{50607652-04B6-4ED5-B4C0-289F7BCD5357}"/>
+              </a:ext>
+            </a:extLst>
+          </p:cNvPr>
+          <p:cNvCxnSpPr>
+            <a:stCxn id="26" idx="3"/>
+            <a:endCxn id="24" idx="1"/>
+          </p:cNvCxnSpPr>
+          <p:nvPr/>
+        </p:nvCxnSpPr>
+        <p:spPr>
+          <a:xfrm>
+            <a:off x="3151382" y="2695108"/>
+            <a:ext cx="522449" cy="0"/>
+          </a:xfrm>
+          <a:prstGeom prst="straightConnector1">
+            <a:avLst/>
+          </a:prstGeom>
+          <a:ln>
+            <a:tailEnd type="triangle"/>
+          </a:ln>
+        </p:spPr>
+        <p:style>
+          <a:lnRef idx="1">
+            <a:schemeClr val="accent1"/>
+          </a:lnRef>
+          <a:fillRef idx="0">
+            <a:schemeClr val="accent1"/>
+          </a:fillRef>
+          <a:effectRef idx="0">
+            <a:schemeClr val="accent1"/>
+          </a:effectRef>
+          <a:fontRef idx="minor">
+            <a:schemeClr val="tx1"/>
+          </a:fontRef>
+        </p:style>
+      </p:cxnSp>
+      <p:cxnSp>
+        <p:nvCxnSpPr>
+          <p:cNvPr id="392" name="Conector de Seta Reta 391">
+            <a:extLst>
+              <a:ext uri="{FF2B5EF4-FFF2-40B4-BE49-F238E27FC236}">
+                <a16:creationId xmlns:a16="http://schemas.microsoft.com/office/drawing/2014/main" id="{26EE8A13-3D75-4D1D-B009-EAB51AC8971B}"/>
+              </a:ext>
+            </a:extLst>
+          </p:cNvPr>
+          <p:cNvCxnSpPr>
+            <a:stCxn id="16" idx="3"/>
+            <a:endCxn id="22" idx="1"/>
+          </p:cNvCxnSpPr>
+          <p:nvPr/>
+        </p:nvCxnSpPr>
+        <p:spPr>
+          <a:xfrm flipV="1">
+            <a:off x="4758999" y="4171108"/>
+            <a:ext cx="588335" cy="4496"/>
+          </a:xfrm>
+          <a:prstGeom prst="straightConnector1">
+            <a:avLst/>
+          </a:prstGeom>
+          <a:ln>
+            <a:tailEnd type="triangle"/>
+          </a:ln>
+        </p:spPr>
+        <p:style>
+          <a:lnRef idx="1">
+            <a:schemeClr val="accent1"/>
+          </a:lnRef>
+          <a:fillRef idx="0">
+            <a:schemeClr val="accent1"/>
+          </a:fillRef>
+          <a:effectRef idx="0">
+            <a:schemeClr val="accent1"/>
+          </a:effectRef>
+          <a:fontRef idx="minor">
+            <a:schemeClr val="tx1"/>
+          </a:fontRef>
+        </p:style>
+      </p:cxnSp>
+      <p:cxnSp>
+        <p:nvCxnSpPr>
+          <p:cNvPr id="395" name="Conector de Seta Reta 394">
+            <a:extLst>
+              <a:ext uri="{FF2B5EF4-FFF2-40B4-BE49-F238E27FC236}">
+                <a16:creationId xmlns:a16="http://schemas.microsoft.com/office/drawing/2014/main" id="{79FD1493-9A82-4291-AD5C-9F6EAEA32DF0}"/>
+              </a:ext>
+            </a:extLst>
+          </p:cNvPr>
+          <p:cNvCxnSpPr>
+            <a:stCxn id="24" idx="3"/>
+          </p:cNvCxnSpPr>
+          <p:nvPr/>
+        </p:nvCxnSpPr>
+        <p:spPr>
+          <a:xfrm>
+            <a:off x="4681831" y="2695108"/>
+            <a:ext cx="385133" cy="0"/>
+          </a:xfrm>
+          <a:prstGeom prst="straightConnector1">
+            <a:avLst/>
+          </a:prstGeom>
+          <a:ln>
+            <a:tailEnd type="triangle"/>
+          </a:ln>
+        </p:spPr>
+        <p:style>
+          <a:lnRef idx="1">
+            <a:schemeClr val="accent1"/>
+          </a:lnRef>
+          <a:fillRef idx="0">
+            <a:schemeClr val="accent1"/>
+          </a:fillRef>
+          <a:effectRef idx="0">
+            <a:schemeClr val="accent1"/>
+          </a:effectRef>
+          <a:fontRef idx="minor">
+            <a:schemeClr val="tx1"/>
+          </a:fontRef>
+        </p:style>
+      </p:cxnSp>
+      <p:cxnSp>
+        <p:nvCxnSpPr>
+          <p:cNvPr id="402" name="Conector de Seta Reta 401">
+            <a:extLst>
+              <a:ext uri="{FF2B5EF4-FFF2-40B4-BE49-F238E27FC236}">
+                <a16:creationId xmlns:a16="http://schemas.microsoft.com/office/drawing/2014/main" id="{97ABBEBA-DF57-48EC-9CF7-8CE2AE5C0D09}"/>
+              </a:ext>
+            </a:extLst>
+          </p:cNvPr>
+          <p:cNvCxnSpPr>
+            <a:stCxn id="22" idx="0"/>
+            <a:endCxn id="20" idx="2"/>
+          </p:cNvCxnSpPr>
+          <p:nvPr/>
+        </p:nvCxnSpPr>
+        <p:spPr>
+          <a:xfrm flipV="1">
+            <a:off x="5735877" y="3343108"/>
+            <a:ext cx="4062" cy="324000"/>
+          </a:xfrm>
+          <a:prstGeom prst="straightConnector1">
+            <a:avLst/>
+          </a:prstGeom>
+          <a:ln>
+            <a:tailEnd type="triangle"/>
+          </a:ln>
+        </p:spPr>
+        <p:style>
+          <a:lnRef idx="1">
+            <a:schemeClr val="accent1"/>
+          </a:lnRef>
+          <a:fillRef idx="0">
+            <a:schemeClr val="accent1"/>
+          </a:fillRef>
+          <a:effectRef idx="0">
+            <a:schemeClr val="accent1"/>
+          </a:effectRef>
+          <a:fontRef idx="minor">
+            <a:schemeClr val="tx1"/>
+          </a:fontRef>
+        </p:style>
+      </p:cxnSp>
+    </p:spTree>
+    <p:extLst>
+      <p:ext uri="{BB962C8B-B14F-4D97-AF65-F5344CB8AC3E}">
+        <p14:creationId xmlns:p14="http://schemas.microsoft.com/office/powerpoint/2010/main" val="3734723410"/>
+      </p:ext>
+    </p:extLst>
+  </p:cSld>
+  <p:clrMapOvr>
+    <a:masterClrMapping/>
+  </p:clrMapOvr>
+</p:sld>
+</file>
+
+<file path=ppt/slides/slide7.xml><?xml version="1.0" encoding="utf-8"?>
+<p:sld xmlns:a="http://schemas.openxmlformats.org/drawingml/2006/main" xmlns:r="http://schemas.openxmlformats.org/officeDocument/2006/relationships" xmlns:p="http://schemas.openxmlformats.org/presentationml/2006/main">
+  <p:cSld>
+    <p:spTree>
+      <p:nvGrpSpPr>
         <p:cNvPr id="1" name="Shape 405"/>
         <p:cNvGrpSpPr/>
         <p:nvPr/>
@@ -38079,7 +39142,7 @@
 </p:sld>
 </file>
 
-<file path=ppt/slides/slide7.xml><?xml version="1.0" encoding="utf-8"?>
+<file path=ppt/slides/slide8.xml><?xml version="1.0" encoding="utf-8"?>
 <p:sld xmlns:a="http://schemas.openxmlformats.org/drawingml/2006/main" xmlns:r="http://schemas.openxmlformats.org/officeDocument/2006/relationships" xmlns:p="http://schemas.openxmlformats.org/presentationml/2006/main">
   <p:cSld>
     <p:spTree>
@@ -38279,7 +39342,7 @@
 </p:sld>
 </file>
 
-<file path=ppt/slides/slide8.xml><?xml version="1.0" encoding="utf-8"?>
+<file path=ppt/slides/slide9.xml><?xml version="1.0" encoding="utf-8"?>
 <p:sld xmlns:a="http://schemas.openxmlformats.org/drawingml/2006/main" xmlns:r="http://schemas.openxmlformats.org/officeDocument/2006/relationships" xmlns:p="http://schemas.openxmlformats.org/presentationml/2006/main">
   <p:cSld>
     <p:spTree>
@@ -38371,7 +39434,7 @@
                 </a:solidFill>
                 <a:latin typeface="+mn-lt"/>
               </a:rPr>
-              <a:t>[RF001]O leitor precisa estar registrado no banco de dados para acessar o sistema; </a:t>
+              <a:t>[RF001]O Leitor poderá criar e atualizar seu usuário; </a:t>
             </a:r>
           </a:p>
           <a:p>
@@ -38383,7 +39446,7 @@
                 </a:solidFill>
                 <a:latin typeface="+mn-lt"/>
               </a:rPr>
-              <a:t>[RF002]O leitor poderá criar e atualizar seus dados; </a:t>
+              <a:t>[RF002]O Sistema deverá disponibilizar uma grande variedade de livros; </a:t>
             </a:r>
           </a:p>
           <a:p>
@@ -38395,7 +39458,7 @@
                 </a:solidFill>
                 <a:latin typeface="+mn-lt"/>
               </a:rPr>
-              <a:t>[RF003]O sistema deverá disponibilizar uma grande variedade de livros; </a:t>
+              <a:t>[RF003]O Leitor poderá alugar ou comprar um ou mais livros;</a:t>
             </a:r>
           </a:p>
           <a:p>
@@ -38407,8 +39470,29 @@
                 </a:solidFill>
                 <a:latin typeface="+mn-lt"/>
               </a:rPr>
-              <a:t>[RF004]O leitor poderá alugar ou comprar um ou mais livros.</a:t>
+              <a:t>[RF004]O Leitor poderá solicitar um novo livro;</a:t>
             </a:r>
+          </a:p>
+          <a:p>
+            <a:pPr marL="285750" indent="-285750"/>
+            <a:r>
+              <a:rPr lang="pt-BR" sz="1600" dirty="0">
+                <a:solidFill>
+                  <a:schemeClr val="tx1"/>
+                </a:solidFill>
+                <a:latin typeface="+mn-lt"/>
+              </a:rPr>
+              <a:t>[RF005]O Leitor poderá verificar os livros do sistema;</a:t>
+            </a:r>
+          </a:p>
+          <a:p>
+            <a:pPr marL="285750" indent="-285750"/>
+            <a:endParaRPr lang="pt-BR" sz="1600" dirty="0">
+              <a:solidFill>
+                <a:schemeClr val="tx1"/>
+              </a:solidFill>
+              <a:latin typeface="+mn-lt"/>
+            </a:endParaRPr>
           </a:p>
         </p:txBody>
       </p:sp>
@@ -38446,182 +39530,6 @@
     <p:extLst>
       <p:ext uri="{BB962C8B-B14F-4D97-AF65-F5344CB8AC3E}">
         <p14:creationId xmlns:p14="http://schemas.microsoft.com/office/powerpoint/2010/main" val="4069375911"/>
-      </p:ext>
-    </p:extLst>
-  </p:cSld>
-  <p:clrMapOvr>
-    <a:masterClrMapping/>
-  </p:clrMapOvr>
-</p:sld>
-</file>
-
-<file path=ppt/slides/slide9.xml><?xml version="1.0" encoding="utf-8"?>
-<p:sld xmlns:a="http://schemas.openxmlformats.org/drawingml/2006/main" xmlns:r="http://schemas.openxmlformats.org/officeDocument/2006/relationships" xmlns:p="http://schemas.openxmlformats.org/presentationml/2006/main">
-  <p:cSld>
-    <p:spTree>
-      <p:nvGrpSpPr>
-        <p:cNvPr id="1" name="Shape 405"/>
-        <p:cNvGrpSpPr/>
-        <p:nvPr/>
-      </p:nvGrpSpPr>
-      <p:grpSpPr>
-        <a:xfrm>
-          <a:off x="0" y="0"/>
-          <a:ext cx="0" cy="0"/>
-          <a:chOff x="0" y="0"/>
-          <a:chExt cx="0" cy="0"/>
-        </a:xfrm>
-      </p:grpSpPr>
-      <p:sp>
-        <p:nvSpPr>
-          <p:cNvPr id="406" name="Google Shape;406;p19"/>
-          <p:cNvSpPr txBox="1">
-            <a:spLocks noGrp="1"/>
-          </p:cNvSpPr>
-          <p:nvPr>
-            <p:ph type="title"/>
-          </p:nvPr>
-        </p:nvSpPr>
-        <p:spPr>
-          <a:xfrm>
-            <a:off x="1732700" y="1735600"/>
-            <a:ext cx="6871550" cy="645300"/>
-          </a:xfrm>
-          <a:prstGeom prst="rect">
-            <a:avLst/>
-          </a:prstGeom>
-        </p:spPr>
-        <p:txBody>
-          <a:bodyPr spcFirstLastPara="1" wrap="square" lIns="91425" tIns="91425" rIns="91425" bIns="91425" anchor="b" anchorCtr="0">
-            <a:noAutofit/>
-          </a:bodyPr>
-          <a:lstStyle/>
-          <a:p>
-            <a:pPr marL="0" lvl="0" indent="0" algn="l" rtl="0">
-              <a:spcBef>
-                <a:spcPts val="0"/>
-              </a:spcBef>
-              <a:spcAft>
-                <a:spcPts val="0"/>
-              </a:spcAft>
-              <a:buNone/>
-            </a:pPr>
-            <a:r>
-              <a:rPr lang="pt-BR" dirty="0"/>
-              <a:t>Requisitos Funcionais</a:t>
-            </a:r>
-            <a:endParaRPr dirty="0"/>
-          </a:p>
-        </p:txBody>
-      </p:sp>
-      <p:sp>
-        <p:nvSpPr>
-          <p:cNvPr id="407" name="Google Shape;407;p19"/>
-          <p:cNvSpPr txBox="1">
-            <a:spLocks noGrp="1"/>
-          </p:cNvSpPr>
-          <p:nvPr>
-            <p:ph type="body" idx="1"/>
-          </p:nvPr>
-        </p:nvSpPr>
-        <p:spPr>
-          <a:xfrm>
-            <a:off x="1732700" y="2380900"/>
-            <a:ext cx="7087450" cy="1511831"/>
-          </a:xfrm>
-          <a:prstGeom prst="rect">
-            <a:avLst/>
-          </a:prstGeom>
-        </p:spPr>
-        <p:txBody>
-          <a:bodyPr spcFirstLastPara="1" wrap="square" lIns="91425" tIns="91425" rIns="91425" bIns="91425" anchor="t" anchorCtr="0">
-            <a:noAutofit/>
-          </a:bodyPr>
-          <a:lstStyle/>
-          <a:p>
-            <a:pPr marL="285750" indent="-285750"/>
-            <a:r>
-              <a:rPr lang="pt-BR" sz="1600" dirty="0">
-                <a:solidFill>
-                  <a:schemeClr val="tx1"/>
-                </a:solidFill>
-                <a:latin typeface="+mn-lt"/>
-              </a:rPr>
-              <a:t>[RNF001] O sistema deve ser padronizado (fontes, cores, etc.)</a:t>
-            </a:r>
-          </a:p>
-          <a:p>
-            <a:pPr marL="285750" indent="-285750"/>
-            <a:r>
-              <a:rPr lang="pt-BR" sz="1600" dirty="0">
-                <a:solidFill>
-                  <a:schemeClr val="tx1"/>
-                </a:solidFill>
-                <a:latin typeface="+mn-lt"/>
-              </a:rPr>
-              <a:t>[RNF002] A interface deve ser clara, de fácil entendimento</a:t>
-            </a:r>
-          </a:p>
-          <a:p>
-            <a:pPr marL="285750" indent="-285750"/>
-            <a:r>
-              <a:rPr lang="pt-BR" sz="1600" dirty="0">
-                <a:solidFill>
-                  <a:schemeClr val="tx1"/>
-                </a:solidFill>
-                <a:latin typeface="+mn-lt"/>
-              </a:rPr>
-              <a:t>[RNF003] O leitor só poderá ler os livros pelo site</a:t>
-            </a:r>
-          </a:p>
-          <a:p>
-            <a:pPr marL="285750" indent="-285750"/>
-            <a:r>
-              <a:rPr lang="pt-BR" sz="1600" dirty="0">
-                <a:solidFill>
-                  <a:schemeClr val="tx1"/>
-                </a:solidFill>
-                <a:latin typeface="+mn-lt"/>
-              </a:rPr>
-              <a:t>[RNF004] A aplicação deve ser de fácil uso</a:t>
-            </a:r>
-          </a:p>
-        </p:txBody>
-      </p:sp>
-      <p:pic>
-        <p:nvPicPr>
-          <p:cNvPr id="5" name="Imagem 4">
-            <a:extLst>
-              <a:ext uri="{FF2B5EF4-FFF2-40B4-BE49-F238E27FC236}">
-                <a16:creationId xmlns:a16="http://schemas.microsoft.com/office/drawing/2014/main" id="{540560D3-247F-402C-A264-87E349908A54}"/>
-              </a:ext>
-            </a:extLst>
-          </p:cNvPr>
-          <p:cNvPicPr>
-            <a:picLocks noChangeAspect="1"/>
-          </p:cNvPicPr>
-          <p:nvPr/>
-        </p:nvPicPr>
-        <p:blipFill>
-          <a:blip r:embed="rId3"/>
-          <a:stretch>
-            <a:fillRect/>
-          </a:stretch>
-        </p:blipFill>
-        <p:spPr>
-          <a:xfrm>
-            <a:off x="49925" y="1181100"/>
-            <a:ext cx="512332" cy="447362"/>
-          </a:xfrm>
-          <a:prstGeom prst="rect">
-            <a:avLst/>
-          </a:prstGeom>
-        </p:spPr>
-      </p:pic>
-    </p:spTree>
-    <p:extLst>
-      <p:ext uri="{BB962C8B-B14F-4D97-AF65-F5344CB8AC3E}">
-        <p14:creationId xmlns:p14="http://schemas.microsoft.com/office/powerpoint/2010/main" val="136941095"/>
       </p:ext>
     </p:extLst>
   </p:cSld>
